--- a/Danny/Onderwijs/Statistiek/2024-2025/Slides/Nieuwe slides/Statistiek 2024-2025 -- college 7 -- schatten en betrouwbaarheid.pptx
+++ b/Danny/Onderwijs/Statistiek/2024-2025/Slides/Nieuwe slides/Statistiek 2024-2025 -- college 7 -- schatten en betrouwbaarheid.pptx
@@ -6225,7 +6225,7 @@
               <a:pPr>
                 <a:defRPr/>
               </a:pPr>
-              <a:t>5 juni 2025</a:t>
+              <a:t>12 juni 2025</a:t>
             </a:fld>
             <a:endParaRPr lang="nl-NL" dirty="0"/>
           </a:p>
@@ -6363,7 +6363,7 @@
               <a:pPr>
                 <a:defRPr/>
               </a:pPr>
-              <a:t>5 juni 2025</a:t>
+              <a:t>12 juni 2025</a:t>
             </a:fld>
             <a:endParaRPr lang="nl-NL" dirty="0"/>
           </a:p>
@@ -6523,7 +6523,7 @@
               <a:pPr>
                 <a:defRPr/>
               </a:pPr>
-              <a:t>5 juni 2025</a:t>
+              <a:t>12 juni 2025</a:t>
             </a:fld>
             <a:endParaRPr lang="nl-NL" dirty="0"/>
           </a:p>
@@ -6779,7 +6779,7 @@
               <a:pPr>
                 <a:defRPr/>
               </a:pPr>
-              <a:t>5 juni 2025</a:t>
+              <a:t>12 juni 2025</a:t>
             </a:fld>
             <a:endParaRPr lang="nl-NL" dirty="0"/>
           </a:p>
@@ -7174,7 +7174,7 @@
               <a:pPr>
                 <a:defRPr/>
               </a:pPr>
-              <a:t>5 juni 2025</a:t>
+              <a:t>12 juni 2025</a:t>
             </a:fld>
             <a:endParaRPr lang="nl-NL" dirty="0"/>
           </a:p>
@@ -7260,7 +7260,7 @@
               <a:pPr>
                 <a:defRPr/>
               </a:pPr>
-              <a:t>5 juni 2025</a:t>
+              <a:t>12 juni 2025</a:t>
             </a:fld>
             <a:endParaRPr lang="nl-NL" dirty="0"/>
           </a:p>
@@ -7323,7 +7323,7 @@
               <a:pPr>
                 <a:defRPr/>
               </a:pPr>
-              <a:t>5 juni 2025</a:t>
+              <a:t>12 juni 2025</a:t>
             </a:fld>
             <a:endParaRPr lang="nl-NL" dirty="0"/>
           </a:p>
@@ -7568,7 +7568,7 @@
               <a:pPr>
                 <a:defRPr/>
               </a:pPr>
-              <a:t>5 juni 2025</a:t>
+              <a:t>12 juni 2025</a:t>
             </a:fld>
             <a:endParaRPr lang="nl-NL" dirty="0"/>
           </a:p>
@@ -7964,7 +7964,7 @@
               <a:pPr>
                 <a:defRPr/>
               </a:pPr>
-              <a:t>5 juni 2025</a:t>
+              <a:t>12 juni 2025</a:t>
             </a:fld>
             <a:endParaRPr lang="nl-NL" dirty="0"/>
           </a:p>
@@ -8102,7 +8102,7 @@
               <a:pPr>
                 <a:defRPr/>
               </a:pPr>
-              <a:t>5 juni 2025</a:t>
+              <a:t>12 juni 2025</a:t>
             </a:fld>
             <a:endParaRPr lang="nl-NL" dirty="0"/>
           </a:p>
@@ -8720,7 +8720,7 @@
               <a:pPr>
                 <a:defRPr/>
               </a:pPr>
-              <a:t>5 juni 2025</a:t>
+              <a:t>12 juni 2025</a:t>
             </a:fld>
             <a:endParaRPr lang="nl-NL" dirty="0"/>
           </a:p>
@@ -8855,7 +8855,7 @@
             </a:pPr>
             <a:fld id="{B65BA442-CF7C-446F-A5C6-9C80A1EA92B1}" type="datetime4">
               <a:rPr lang="nl-NL" smtClean="0"/>
-              <a:t>5 juni 2025</a:t>
+              <a:t>12 juni 2025</a:t>
             </a:fld>
             <a:endParaRPr lang="nl-NL" dirty="0"/>
           </a:p>
@@ -9012,7 +9012,7 @@
             </a:pPr>
             <a:fld id="{6ADACE4E-5F74-4A37-951C-E2AD8C0ABF31}" type="datetime4">
               <a:rPr lang="nl-NL" smtClean="0"/>
-              <a:t>5 juni 2025</a:t>
+              <a:t>12 juni 2025</a:t>
             </a:fld>
             <a:endParaRPr lang="nl-NL" dirty="0"/>
           </a:p>
@@ -9265,7 +9265,7 @@
             </a:pPr>
             <a:fld id="{8C104096-2ED3-453C-8E78-E00AE5454056}" type="datetime4">
               <a:rPr lang="nl-NL" smtClean="0"/>
-              <a:t>5 juni 2025</a:t>
+              <a:t>12 juni 2025</a:t>
             </a:fld>
             <a:endParaRPr lang="nl-NL" dirty="0"/>
           </a:p>
@@ -9662,7 +9662,7 @@
             </a:pPr>
             <a:fld id="{57509A98-FEF1-486E-836B-0182E6ED18CF}" type="datetime4">
               <a:rPr lang="nl-NL" smtClean="0"/>
-              <a:t>5 juni 2025</a:t>
+              <a:t>12 juni 2025</a:t>
             </a:fld>
             <a:endParaRPr lang="nl-NL" dirty="0"/>
           </a:p>
@@ -9745,7 +9745,7 @@
             </a:pPr>
             <a:fld id="{A45E3D14-5EDE-4B69-BCF9-7871170F920B}" type="datetime4">
               <a:rPr lang="nl-NL" smtClean="0"/>
-              <a:t>5 juni 2025</a:t>
+              <a:t>12 juni 2025</a:t>
             </a:fld>
             <a:endParaRPr lang="nl-NL" dirty="0"/>
           </a:p>
@@ -9805,7 +9805,7 @@
             </a:pPr>
             <a:fld id="{403C7BC3-7CD1-41E9-B4B5-084A2D120935}" type="datetime4">
               <a:rPr lang="nl-NL" smtClean="0"/>
-              <a:t>5 juni 2025</a:t>
+              <a:t>12 juni 2025</a:t>
             </a:fld>
             <a:endParaRPr lang="nl-NL" dirty="0"/>
           </a:p>
@@ -10199,7 +10199,7 @@
             </a:pPr>
             <a:fld id="{B9AD4273-E583-4234-8A15-01E636C03DBC}" type="datetime4">
               <a:rPr lang="nl-NL" smtClean="0"/>
-              <a:t>5 juni 2025</a:t>
+              <a:t>12 juni 2025</a:t>
             </a:fld>
             <a:endParaRPr lang="nl-NL" dirty="0"/>
           </a:p>
@@ -10422,7 +10422,7 @@
             </a:pPr>
             <a:fld id="{6DF2C121-03D7-4443-9B4B-D1ED7325FD6F}" type="datetime4">
               <a:rPr lang="nl-NL" smtClean="0"/>
-              <a:t>5 juni 2025</a:t>
+              <a:t>12 juni 2025</a:t>
             </a:fld>
             <a:endParaRPr lang="nl-NL" dirty="0"/>
           </a:p>
@@ -10557,7 +10557,7 @@
             </a:pPr>
             <a:fld id="{83790545-2047-4712-ADC2-09AB81876442}" type="datetime4">
               <a:rPr lang="nl-NL" smtClean="0"/>
-              <a:t>5 juni 2025</a:t>
+              <a:t>12 juni 2025</a:t>
             </a:fld>
             <a:endParaRPr lang="nl-NL" dirty="0"/>
           </a:p>
@@ -13157,7 +13157,7 @@
               <a:pPr>
                 <a:defRPr/>
               </a:pPr>
-              <a:t>5 juni 2025</a:t>
+              <a:t>12 juni 2025</a:t>
             </a:fld>
             <a:endParaRPr lang="nl-NL" dirty="0"/>
           </a:p>
@@ -13974,7 +13974,7 @@
             </a:pPr>
             <a:fld id="{C578AD08-3C54-48F2-9382-C141D1496CCF}" type="datetime4">
               <a:rPr lang="nl-NL" smtClean="0"/>
-              <a:t>5 juni 2025</a:t>
+              <a:t>12 juni 2025</a:t>
             </a:fld>
             <a:endParaRPr lang="nl-NL" dirty="0"/>
           </a:p>
@@ -19607,7 +19607,7 @@
           <a:p>
             <a:fld id="{7954EBD1-29D6-4680-A43E-6930799C0313}" type="datetime4">
               <a:rPr lang="nl-NL" smtClean="0"/>
-              <a:t>5 juni 2025</a:t>
+              <a:t>12 juni 2025</a:t>
             </a:fld>
             <a:endParaRPr lang="nl-NL" dirty="0" smtClean="0"/>
           </a:p>
@@ -20144,7 +20144,7 @@
           <a:p>
             <a:fld id="{7954EBD1-29D6-4680-A43E-6930799C0313}" type="datetime4">
               <a:rPr lang="nl-NL" smtClean="0"/>
-              <a:t>5 juni 2025</a:t>
+              <a:t>12 juni 2025</a:t>
             </a:fld>
             <a:endParaRPr lang="nl-NL" dirty="0" smtClean="0"/>
           </a:p>
@@ -20859,7 +20859,7 @@
           <a:p>
             <a:fld id="{7954EBD1-29D6-4680-A43E-6930799C0313}" type="datetime4">
               <a:rPr lang="nl-NL" smtClean="0"/>
-              <a:t>5 juni 2025</a:t>
+              <a:t>12 juni 2025</a:t>
             </a:fld>
             <a:endParaRPr lang="nl-NL" dirty="0" smtClean="0"/>
           </a:p>
@@ -21019,8 +21019,8 @@
           </p:sp>
         </mc:Fallback>
       </mc:AlternateContent>
-      <mc:AlternateContent xmlns:mc="http://schemas.openxmlformats.org/markup-compatibility/2006">
-        <mc:Choice xmlns:a14="http://schemas.microsoft.com/office/drawing/2010/main" Requires="a14">
+      <mc:AlternateContent xmlns:mc="http://schemas.openxmlformats.org/markup-compatibility/2006" xmlns:a14="http://schemas.microsoft.com/office/drawing/2010/main">
+        <mc:Choice Requires="a14">
           <p:sp>
             <p:nvSpPr>
               <p:cNvPr id="6147" name="Content Placeholder 2"/>
@@ -21114,11 +21114,7 @@
                 </a:r>
                 <a:r>
                   <a:rPr lang="en-US" b="0" dirty="0" smtClean="0"/>
-                  <a:t> </a:t>
-                </a:r>
-                <a:r>
-                  <a:rPr lang="en-US" b="0" dirty="0" smtClean="0"/>
-                  <a:t>de </a:t>
+                  <a:t> de </a:t>
                 </a:r>
                 <a:r>
                   <a:rPr lang="en-US" b="0" dirty="0" err="1" smtClean="0"/>
@@ -21826,7 +21822,7 @@
             </p:txBody>
           </p:sp>
         </mc:Choice>
-        <mc:Fallback>
+        <mc:Fallback xmlns="">
           <p:sp>
             <p:nvSpPr>
               <p:cNvPr id="6147" name="Content Placeholder 2"/>
@@ -21892,7 +21888,7 @@
           <a:p>
             <a:fld id="{7954EBD1-29D6-4680-A43E-6930799C0313}" type="datetime4">
               <a:rPr lang="nl-NL" smtClean="0"/>
-              <a:t>5 juni 2025</a:t>
+              <a:t>12 juni 2025</a:t>
             </a:fld>
             <a:endParaRPr lang="nl-NL" dirty="0" smtClean="0"/>
           </a:p>
@@ -22079,8 +22075,8 @@
           </p:sp>
         </mc:Fallback>
       </mc:AlternateContent>
-      <mc:AlternateContent xmlns:mc="http://schemas.openxmlformats.org/markup-compatibility/2006">
-        <mc:Choice xmlns:a14="http://schemas.microsoft.com/office/drawing/2010/main" Requires="a14">
+      <mc:AlternateContent xmlns:mc="http://schemas.openxmlformats.org/markup-compatibility/2006" xmlns:a14="http://schemas.microsoft.com/office/drawing/2010/main">
+        <mc:Choice Requires="a14">
           <p:sp>
             <p:nvSpPr>
               <p:cNvPr id="6147" name="Content Placeholder 2"/>
@@ -23026,7 +23022,7 @@
             </p:txBody>
           </p:sp>
         </mc:Choice>
-        <mc:Fallback>
+        <mc:Fallback xmlns="">
           <p:sp>
             <p:nvSpPr>
               <p:cNvPr id="6147" name="Content Placeholder 2"/>
@@ -23092,7 +23088,7 @@
           <a:p>
             <a:fld id="{7954EBD1-29D6-4680-A43E-6930799C0313}" type="datetime4">
               <a:rPr lang="nl-NL" smtClean="0"/>
-              <a:t>5 juni 2025</a:t>
+              <a:t>12 juni 2025</a:t>
             </a:fld>
             <a:endParaRPr lang="nl-NL" dirty="0" smtClean="0"/>
           </a:p>
@@ -23490,8 +23486,8 @@
           </a:p>
         </p:txBody>
       </p:sp>
-      <mc:AlternateContent xmlns:mc="http://schemas.openxmlformats.org/markup-compatibility/2006">
-        <mc:Choice xmlns:a14="http://schemas.microsoft.com/office/drawing/2010/main" Requires="a14">
+      <mc:AlternateContent xmlns:mc="http://schemas.openxmlformats.org/markup-compatibility/2006" xmlns:a14="http://schemas.microsoft.com/office/drawing/2010/main">
+        <mc:Choice Requires="a14">
           <p:sp>
             <p:nvSpPr>
               <p:cNvPr id="6147" name="Content Placeholder 2"/>
@@ -23704,6 +23700,7 @@
                 <a:endParaRPr lang="en-US" dirty="0" smtClean="0"/>
               </a:p>
               <a:p>
+                <a:pPr/>
                 <a14:m>
                   <m:oMathPara xmlns:m="http://schemas.openxmlformats.org/officeDocument/2006/math">
                     <m:oMathParaPr>
@@ -25036,7 +25033,7 @@
             </p:txBody>
           </p:sp>
         </mc:Choice>
-        <mc:Fallback>
+        <mc:Fallback xmlns="">
           <p:sp>
             <p:nvSpPr>
               <p:cNvPr id="6147" name="Content Placeholder 2"/>
@@ -25102,7 +25099,7 @@
           <a:p>
             <a:fld id="{7954EBD1-29D6-4680-A43E-6930799C0313}" type="datetime4">
               <a:rPr lang="nl-NL" smtClean="0"/>
-              <a:t>5 juni 2025</a:t>
+              <a:t>12 juni 2025</a:t>
             </a:fld>
             <a:endParaRPr lang="nl-NL" dirty="0" smtClean="0"/>
           </a:p>
@@ -25177,8 +25174,8 @@
           </a:p>
         </p:txBody>
       </p:sp>
-      <mc:AlternateContent xmlns:mc="http://schemas.openxmlformats.org/markup-compatibility/2006">
-        <mc:Choice xmlns:a14="http://schemas.microsoft.com/office/drawing/2010/main" Requires="a14">
+      <mc:AlternateContent xmlns:mc="http://schemas.openxmlformats.org/markup-compatibility/2006" xmlns:a14="http://schemas.microsoft.com/office/drawing/2010/main">
+        <mc:Choice Requires="a14">
           <p:sp>
             <p:nvSpPr>
               <p:cNvPr id="6147" name="Content Placeholder 2"/>
@@ -25798,13 +25795,8 @@
                 </a:r>
                 <a:r>
                   <a:rPr lang="en-US" sz="2400" dirty="0" smtClean="0"/>
-                  <a:t> </a:t>
-                </a:r>
-                <a:r>
-                  <a:rPr lang="en-US" sz="2400" dirty="0" smtClean="0"/>
-                  <a:t>interval.</a:t>
-                </a:r>
-                <a:endParaRPr lang="en-US" sz="2400" dirty="0" smtClean="0"/>
+                  <a:t> interval.</a:t>
+                </a:r>
               </a:p>
               <a:p>
                 <a:endParaRPr lang="en-US" sz="2400" dirty="0" smtClean="0"/>
@@ -26171,7 +26163,7 @@
             </p:txBody>
           </p:sp>
         </mc:Choice>
-        <mc:Fallback>
+        <mc:Fallback xmlns="">
           <p:sp>
             <p:nvSpPr>
               <p:cNvPr id="6147" name="Content Placeholder 2"/>
@@ -26237,7 +26229,7 @@
           <a:p>
             <a:fld id="{7954EBD1-29D6-4680-A43E-6930799C0313}" type="datetime4">
               <a:rPr lang="nl-NL" smtClean="0"/>
-              <a:t>5 juni 2025</a:t>
+              <a:t>12 juni 2025</a:t>
             </a:fld>
             <a:endParaRPr lang="nl-NL" dirty="0" smtClean="0"/>
           </a:p>
@@ -26373,7 +26365,7 @@
           <a:p>
             <a:fld id="{7954EBD1-29D6-4680-A43E-6930799C0313}" type="datetime4">
               <a:rPr lang="nl-NL" smtClean="0"/>
-              <a:t>5 juni 2025</a:t>
+              <a:t>12 juni 2025</a:t>
             </a:fld>
             <a:endParaRPr lang="nl-NL" dirty="0" smtClean="0"/>
           </a:p>
@@ -26560,7 +26552,15 @@
                 </a:r>
                 <a:r>
                   <a:rPr lang="en-US" b="1" dirty="0" smtClean="0"/>
-                  <a:t> mental </a:t>
+                  <a:t> </a:t>
+                </a:r>
+                <a:r>
+                  <a:rPr lang="en-US" b="1" dirty="0" err="1" smtClean="0"/>
+                  <a:t>mentaal</a:t>
+                </a:r>
+                <a:r>
+                  <a:rPr lang="en-US" b="1" dirty="0" smtClean="0"/>
+                  <a:t> </a:t>
                 </a:r>
                 <a:r>
                   <a:rPr lang="en-US" b="1" dirty="0" err="1" smtClean="0"/>
@@ -26632,15 +26632,7 @@
                 </a:r>
                 <a:r>
                   <a:rPr lang="en-US" b="1" dirty="0" smtClean="0"/>
-                  <a:t>-score </a:t>
-                </a:r>
-                <a:r>
-                  <a:rPr lang="en-US" b="1" dirty="0" smtClean="0"/>
-                  <a:t>van 0 tot 100 (0 </a:t>
-                </a:r>
-                <a:r>
-                  <a:rPr lang="en-US" b="1" dirty="0" smtClean="0"/>
-                  <a:t>= </a:t>
+                  <a:t>-score van 0 tot 100 (0 = </a:t>
                 </a:r>
                 <a:r>
                   <a:rPr lang="en-US" b="1" dirty="0" err="1" smtClean="0"/>
@@ -26956,7 +26948,7 @@
               <a:blipFill>
                 <a:blip r:embed="rId2"/>
                 <a:stretch>
-                  <a:fillRect l="-1608" t="-2009" r="-1379"/>
+                  <a:fillRect l="-1608" t="-2009" r="-1953"/>
                 </a:stretch>
               </a:blipFill>
             </p:spPr>
@@ -27003,7 +26995,7 @@
           <a:p>
             <a:fld id="{7954EBD1-29D6-4680-A43E-6930799C0313}" type="datetime4">
               <a:rPr lang="nl-NL" smtClean="0"/>
-              <a:t>5 juni 2025</a:t>
+              <a:t>12 juni 2025</a:t>
             </a:fld>
             <a:endParaRPr lang="nl-NL" dirty="0" smtClean="0"/>
           </a:p>
@@ -27078,8 +27070,8 @@
           </a:p>
         </p:txBody>
       </p:sp>
-      <mc:AlternateContent xmlns:mc="http://schemas.openxmlformats.org/markup-compatibility/2006">
-        <mc:Choice xmlns:a14="http://schemas.microsoft.com/office/drawing/2010/main" Requires="a14">
+      <mc:AlternateContent xmlns:mc="http://schemas.openxmlformats.org/markup-compatibility/2006" xmlns:a14="http://schemas.microsoft.com/office/drawing/2010/main">
+        <mc:Choice Requires="a14">
           <p:sp>
             <p:nvSpPr>
               <p:cNvPr id="2" name="Content Placeholder 1"/>
@@ -27851,11 +27843,7 @@
                 </a:r>
                 <a:r>
                   <a:rPr lang="en-US" b="1" dirty="0" smtClean="0"/>
-                  <a:t> </a:t>
-                </a:r>
-                <a:r>
-                  <a:rPr lang="en-US" b="1" dirty="0" smtClean="0"/>
-                  <a:t>52,06 </a:t>
+                  <a:t> 52,06 </a:t>
                 </a:r>
                 <a:r>
                   <a:rPr lang="en-US" b="1" dirty="0" err="1" smtClean="0"/>
@@ -27863,11 +27851,7 @@
                 </a:r>
                 <a:r>
                   <a:rPr lang="en-US" b="1" dirty="0" smtClean="0"/>
-                  <a:t> </a:t>
-                </a:r>
-                <a:r>
-                  <a:rPr lang="en-US" b="1" dirty="0" smtClean="0"/>
-                  <a:t>57,94 </a:t>
+                  <a:t> 57,94 </a:t>
                 </a:r>
                 <a:r>
                   <a:rPr lang="en-US" b="1" dirty="0" err="1" smtClean="0"/>
@@ -27877,12 +27861,11 @@
                   <a:rPr lang="en-US" b="1" dirty="0" smtClean="0"/>
                   <a:t>. </a:t>
                 </a:r>
-                <a:endParaRPr lang="en-US" b="1" dirty="0" smtClean="0"/>
               </a:p>
             </p:txBody>
           </p:sp>
         </mc:Choice>
-        <mc:Fallback>
+        <mc:Fallback xmlns="">
           <p:sp>
             <p:nvSpPr>
               <p:cNvPr id="2" name="Content Placeholder 1"/>
@@ -27944,7 +27927,7 @@
           <a:p>
             <a:fld id="{7954EBD1-29D6-4680-A43E-6930799C0313}" type="datetime4">
               <a:rPr lang="nl-NL" smtClean="0"/>
-              <a:t>5 juni 2025</a:t>
+              <a:t>12 juni 2025</a:t>
             </a:fld>
             <a:endParaRPr lang="nl-NL" dirty="0" smtClean="0"/>
           </a:p>
@@ -28027,8 +28010,8 @@
           </a:p>
         </p:txBody>
       </p:sp>
-      <mc:AlternateContent xmlns:mc="http://schemas.openxmlformats.org/markup-compatibility/2006">
-        <mc:Choice xmlns:a14="http://schemas.microsoft.com/office/drawing/2010/main" Requires="a14">
+      <mc:AlternateContent xmlns:mc="http://schemas.openxmlformats.org/markup-compatibility/2006" xmlns:a14="http://schemas.microsoft.com/office/drawing/2010/main">
+        <mc:Choice Requires="a14">
           <p:sp>
             <p:nvSpPr>
               <p:cNvPr id="2" name="Content Placeholder 1"/>
@@ -29103,7 +29086,7 @@
             </p:txBody>
           </p:sp>
         </mc:Choice>
-        <mc:Fallback>
+        <mc:Fallback xmlns="">
           <p:sp>
             <p:nvSpPr>
               <p:cNvPr id="2" name="Content Placeholder 1"/>
@@ -29169,7 +29152,7 @@
           <a:p>
             <a:fld id="{7954EBD1-29D6-4680-A43E-6930799C0313}" type="datetime4">
               <a:rPr lang="nl-NL" smtClean="0"/>
-              <a:t>5 juni 2025</a:t>
+              <a:t>12 juni 2025</a:t>
             </a:fld>
             <a:endParaRPr lang="nl-NL" dirty="0" smtClean="0"/>
           </a:p>
@@ -29244,8 +29227,8 @@
           </a:p>
         </p:txBody>
       </p:sp>
-      <mc:AlternateContent xmlns:mc="http://schemas.openxmlformats.org/markup-compatibility/2006">
-        <mc:Choice xmlns:a14="http://schemas.microsoft.com/office/drawing/2010/main" Requires="a14">
+      <mc:AlternateContent xmlns:mc="http://schemas.openxmlformats.org/markup-compatibility/2006" xmlns:a14="http://schemas.microsoft.com/office/drawing/2010/main">
+        <mc:Choice Requires="a14">
           <p:sp>
             <p:nvSpPr>
               <p:cNvPr id="2" name="Content Placeholder 1"/>
@@ -29621,7 +29604,6 @@
                   <a:rPr lang="en-US" b="1" dirty="0" smtClean="0"/>
                   <a:t> is. </a:t>
                 </a:r>
-                <a:endParaRPr lang="en-US" b="1" dirty="0" smtClean="0"/>
               </a:p>
               <a:p>
                 <a:endParaRPr lang="en-US" b="1" dirty="0"/>
@@ -29632,7 +29614,7 @@
             </p:txBody>
           </p:sp>
         </mc:Choice>
-        <mc:Fallback>
+        <mc:Fallback xmlns="">
           <p:sp>
             <p:nvSpPr>
               <p:cNvPr id="2" name="Content Placeholder 1"/>
@@ -29694,7 +29676,7 @@
           <a:p>
             <a:fld id="{7954EBD1-29D6-4680-A43E-6930799C0313}" type="datetime4">
               <a:rPr lang="nl-NL" smtClean="0"/>
-              <a:t>5 juni 2025</a:t>
+              <a:t>12 juni 2025</a:t>
             </a:fld>
             <a:endParaRPr lang="nl-NL" dirty="0" smtClean="0"/>
           </a:p>
@@ -29769,8 +29751,8 @@
           </a:p>
         </p:txBody>
       </p:sp>
-      <mc:AlternateContent xmlns:mc="http://schemas.openxmlformats.org/markup-compatibility/2006">
-        <mc:Choice xmlns:a14="http://schemas.microsoft.com/office/drawing/2010/main" Requires="a14">
+      <mc:AlternateContent xmlns:mc="http://schemas.openxmlformats.org/markup-compatibility/2006" xmlns:a14="http://schemas.microsoft.com/office/drawing/2010/main">
+        <mc:Choice Requires="a14">
           <p:sp>
             <p:nvSpPr>
               <p:cNvPr id="2" name="Content Placeholder 1"/>
@@ -29932,15 +29914,7 @@
                 </a:r>
                 <a:r>
                   <a:rPr lang="en-US" b="1" dirty="0" smtClean="0"/>
-                  <a:t>-score </a:t>
-                </a:r>
-                <a:r>
-                  <a:rPr lang="en-US" b="1" dirty="0" smtClean="0"/>
-                  <a:t>van 0 tot 100</a:t>
-                </a:r>
-                <a:r>
-                  <a:rPr lang="en-US" b="1" dirty="0" smtClean="0"/>
-                  <a:t> (</a:t>
+                  <a:t>-score van 0 tot 100 (</a:t>
                 </a:r>
                 <a:r>
                   <a:rPr lang="en-US" b="1" dirty="0"/>
@@ -30421,13 +30395,7 @@
                                     <a:rPr lang="en-US" b="0" i="1" smtClean="0">
                                       <a:latin typeface="Cambria Math" panose="02040503050406030204" pitchFamily="18" charset="0"/>
                                     </a:rPr>
-                                    <m:t>1,9600</m:t>
-                                  </m:r>
-                                  <m:r>
-                                    <a:rPr lang="en-US" b="0" i="1" smtClean="0">
-                                      <a:latin typeface="Cambria Math" panose="02040503050406030204" pitchFamily="18" charset="0"/>
-                                    </a:rPr>
-                                    <m:t>⋅12</m:t>
+                                    <m:t>1,9600⋅12</m:t>
                                   </m:r>
                                 </m:num>
                                 <m:den>
@@ -30543,7 +30511,7 @@
             </p:txBody>
           </p:sp>
         </mc:Choice>
-        <mc:Fallback>
+        <mc:Fallback xmlns="">
           <p:sp>
             <p:nvSpPr>
               <p:cNvPr id="2" name="Content Placeholder 1"/>
@@ -30605,7 +30573,7 @@
           <a:p>
             <a:fld id="{7954EBD1-29D6-4680-A43E-6930799C0313}" type="datetime4">
               <a:rPr lang="nl-NL" smtClean="0"/>
-              <a:t>5 juni 2025</a:t>
+              <a:t>12 juni 2025</a:t>
             </a:fld>
             <a:endParaRPr lang="nl-NL" dirty="0" smtClean="0"/>
           </a:p>
@@ -31179,7 +31147,7 @@
                 <a:tabLst/>
                 <a:defRPr/>
               </a:pPr>
-              <a:t>5 juni 2025</a:t>
+              <a:t>12 juni 2025</a:t>
             </a:fld>
             <a:endParaRPr kumimoji="0" lang="nl-NL" sz="1100" b="0" i="0" u="none" strike="noStrike" kern="1200" cap="none" spc="0" normalizeH="0" baseline="0" noProof="0" smtClean="0">
               <a:ln>
@@ -31739,7 +31707,7 @@
                 <a:tabLst/>
                 <a:defRPr/>
               </a:pPr>
-              <a:t>5 juni 2025</a:t>
+              <a:t>12 juni 2025</a:t>
             </a:fld>
             <a:endParaRPr kumimoji="0" lang="nl-NL" sz="1100" b="0" i="0" u="none" strike="noStrike" kern="1200" cap="none" spc="0" normalizeH="0" baseline="0" noProof="0" smtClean="0">
               <a:ln>
